--- a/团日资料/长征时期(1).pptx
+++ b/团日资料/长征时期(1).pptx
@@ -274,7 +274,7 @@
               <a:pPr>
                 <a:defRPr/>
               </a:pPr>
-              <a:t>2021/11/22</a:t>
+              <a:t>2021/11/24</a:t>
             </a:fld>
             <a:endParaRPr lang="zh-CN" altLang="en-US"/>
           </a:p>
@@ -7805,8 +7805,8 @@
         </p:nvSpPr>
         <p:spPr bwMode="auto">
           <a:xfrm>
-            <a:off x="479425" y="447675"/>
-            <a:ext cx="5252230" cy="461665"/>
+            <a:off x="266387" y="353267"/>
+            <a:ext cx="6273710" cy="461665"/>
           </a:xfrm>
           <a:prstGeom prst="rect">
             <a:avLst/>
@@ -7946,7 +7946,7 @@
                 <a:latin typeface="微软雅黑" panose="020B0503020204020204" pitchFamily="34" charset="-122"/>
                 <a:ea typeface="微软雅黑" panose="020B0503020204020204" pitchFamily="34" charset="-122"/>
               </a:rPr>
-              <a:t>从革命先辈身上学到的优良品质</a:t>
+              <a:t>当我们在讨论革命先辈时，我们在讨论什么</a:t>
             </a:r>
             <a:endParaRPr lang="en-US" altLang="zh-CN" sz="2400" b="1" dirty="0">
               <a:solidFill>
@@ -20529,8 +20529,8 @@
         </p:nvSpPr>
         <p:spPr>
           <a:xfrm>
-            <a:off x="5519936" y="476672"/>
-            <a:ext cx="6121896" cy="4351338"/>
+            <a:off x="3210819" y="680889"/>
+            <a:ext cx="2643779" cy="1867976"/>
           </a:xfrm>
         </p:spPr>
         <p:txBody>
@@ -22459,8 +22459,8 @@
         </p:blipFill>
         <p:spPr bwMode="auto">
           <a:xfrm>
-            <a:off x="847031" y="1209466"/>
-            <a:ext cx="3810000" cy="5019675"/>
+            <a:off x="550168" y="837275"/>
+            <a:ext cx="2507929" cy="3304197"/>
           </a:xfrm>
           <a:prstGeom prst="rect">
             <a:avLst/>
